--- a/documentation/PPT/Mini_Project_BookMates.pptx
+++ b/documentation/PPT/Mini_Project_BookMates.pptx
@@ -220,7 +220,7 @@
           <a:p>
             <a:fld id="{6585C631-E4E8-45D8-883C-2D3B6B4AF239}" type="datetimeFigureOut">
               <a:rPr lang="en-IN" smtClean="0"/>
-              <a:t>12-10-2025</a:t>
+              <a:t>13-10-2025</a:t>
             </a:fld>
             <a:endParaRPr lang="en-IN"/>
           </a:p>
@@ -1100,7 +1100,7 @@
           <a:p>
             <a:fld id="{5BCAD085-E8A6-8845-BD4E-CB4CCA059FC4}" type="datetimeFigureOut">
               <a:rPr lang="en-US" smtClean="0"/>
-              <a:t>10/12/2025</a:t>
+              <a:t>10/13/2025</a:t>
             </a:fld>
             <a:endParaRPr lang="en-US"/>
           </a:p>
@@ -1268,7 +1268,7 @@
           <a:p>
             <a:fld id="{5BCAD085-E8A6-8845-BD4E-CB4CCA059FC4}" type="datetimeFigureOut">
               <a:rPr lang="en-US" smtClean="0"/>
-              <a:t>10/12/2025</a:t>
+              <a:t>10/13/2025</a:t>
             </a:fld>
             <a:endParaRPr lang="en-US"/>
           </a:p>
@@ -1446,7 +1446,7 @@
           <a:p>
             <a:fld id="{5BCAD085-E8A6-8845-BD4E-CB4CCA059FC4}" type="datetimeFigureOut">
               <a:rPr lang="en-US" smtClean="0"/>
-              <a:t>10/12/2025</a:t>
+              <a:t>10/13/2025</a:t>
             </a:fld>
             <a:endParaRPr lang="en-US"/>
           </a:p>
@@ -1614,7 +1614,7 @@
           <a:p>
             <a:fld id="{5BCAD085-E8A6-8845-BD4E-CB4CCA059FC4}" type="datetimeFigureOut">
               <a:rPr lang="en-US" smtClean="0"/>
-              <a:t>10/12/2025</a:t>
+              <a:t>10/13/2025</a:t>
             </a:fld>
             <a:endParaRPr lang="en-US"/>
           </a:p>
@@ -1859,7 +1859,7 @@
           <a:p>
             <a:fld id="{5BCAD085-E8A6-8845-BD4E-CB4CCA059FC4}" type="datetimeFigureOut">
               <a:rPr lang="en-US" smtClean="0"/>
-              <a:t>10/12/2025</a:t>
+              <a:t>10/13/2025</a:t>
             </a:fld>
             <a:endParaRPr lang="en-US"/>
           </a:p>
@@ -2144,7 +2144,7 @@
           <a:p>
             <a:fld id="{5BCAD085-E8A6-8845-BD4E-CB4CCA059FC4}" type="datetimeFigureOut">
               <a:rPr lang="en-US" smtClean="0"/>
-              <a:t>10/12/2025</a:t>
+              <a:t>10/13/2025</a:t>
             </a:fld>
             <a:endParaRPr lang="en-US"/>
           </a:p>
@@ -2563,7 +2563,7 @@
           <a:p>
             <a:fld id="{5BCAD085-E8A6-8845-BD4E-CB4CCA059FC4}" type="datetimeFigureOut">
               <a:rPr lang="en-US" smtClean="0"/>
-              <a:t>10/12/2025</a:t>
+              <a:t>10/13/2025</a:t>
             </a:fld>
             <a:endParaRPr lang="en-US"/>
           </a:p>
@@ -2680,7 +2680,7 @@
           <a:p>
             <a:fld id="{5BCAD085-E8A6-8845-BD4E-CB4CCA059FC4}" type="datetimeFigureOut">
               <a:rPr lang="en-US" smtClean="0"/>
-              <a:t>10/12/2025</a:t>
+              <a:t>10/13/2025</a:t>
             </a:fld>
             <a:endParaRPr lang="en-US"/>
           </a:p>
@@ -2775,7 +2775,7 @@
           <a:p>
             <a:fld id="{5BCAD085-E8A6-8845-BD4E-CB4CCA059FC4}" type="datetimeFigureOut">
               <a:rPr lang="en-US" smtClean="0"/>
-              <a:t>10/12/2025</a:t>
+              <a:t>10/13/2025</a:t>
             </a:fld>
             <a:endParaRPr lang="en-US"/>
           </a:p>
@@ -3050,7 +3050,7 @@
           <a:p>
             <a:fld id="{5BCAD085-E8A6-8845-BD4E-CB4CCA059FC4}" type="datetimeFigureOut">
               <a:rPr lang="en-US" smtClean="0"/>
-              <a:t>10/12/2025</a:t>
+              <a:t>10/13/2025</a:t>
             </a:fld>
             <a:endParaRPr lang="en-US"/>
           </a:p>
@@ -3302,7 +3302,7 @@
           <a:p>
             <a:fld id="{5BCAD085-E8A6-8845-BD4E-CB4CCA059FC4}" type="datetimeFigureOut">
               <a:rPr lang="en-US" smtClean="0"/>
-              <a:t>10/12/2025</a:t>
+              <a:t>10/13/2025</a:t>
             </a:fld>
             <a:endParaRPr lang="en-US"/>
           </a:p>
@@ -3513,7 +3513,7 @@
           <a:p>
             <a:fld id="{5BCAD085-E8A6-8845-BD4E-CB4CCA059FC4}" type="datetimeFigureOut">
               <a:rPr lang="en-US" smtClean="0"/>
-              <a:t>10/12/2025</a:t>
+              <a:t>10/13/2025</a:t>
             </a:fld>
             <a:endParaRPr lang="en-US"/>
           </a:p>
@@ -7834,9 +7834,6 @@
           <a:lstStyle/>
           <a:p>
             <a:pPr marL="0" indent="0" algn="just">
-              <a:lnSpc>
-                <a:spcPct val="150000"/>
-              </a:lnSpc>
               <a:buNone/>
               <a:defRPr sz="2000">
                 <a:latin typeface="Times New Roman"/>
@@ -7844,7 +7841,27 @@
             </a:pPr>
             <a:r>
               <a:rPr lang="en-US" dirty="0"/>
-              <a:t>🖥️ User Interface (UI): Show landing page, authentication page, and</a:t>
+              <a:t>🖥️ </a:t>
+            </a:r>
+            <a:r>
+              <a:rPr lang="en-US" b="1" dirty="0"/>
+              <a:t>User Interface (UI): </a:t>
+            </a:r>
+            <a:r>
+              <a:rPr lang="en-US" dirty="0"/>
+              <a:t>Show landing page, authentication page, and</a:t>
+            </a:r>
+          </a:p>
+          <a:p>
+            <a:pPr marL="0" indent="0" algn="just">
+              <a:buNone/>
+              <a:defRPr sz="2000">
+                <a:latin typeface="Times New Roman"/>
+              </a:defRPr>
+            </a:pPr>
+            <a:r>
+              <a:rPr lang="en-US" dirty="0"/>
+              <a:t>                                          dashboards</a:t>
             </a:r>
           </a:p>
           <a:p>
@@ -7859,7 +7876,79 @@
             </a:pPr>
             <a:r>
               <a:rPr lang="en-US" dirty="0"/>
-              <a:t>       dashboards</a:t>
+              <a:t>📚 </a:t>
+            </a:r>
+            <a:r>
+              <a:rPr lang="en-US" b="1" dirty="0"/>
+              <a:t>Reader Dashboard: </a:t>
+            </a:r>
+            <a:r>
+              <a:rPr lang="en-US" dirty="0"/>
+              <a:t>Display book search, view, and request features</a:t>
+            </a:r>
+          </a:p>
+          <a:p>
+            <a:pPr marL="0" indent="0" algn="just">
+              <a:buNone/>
+              <a:defRPr sz="2000">
+                <a:latin typeface="Times New Roman"/>
+              </a:defRPr>
+            </a:pPr>
+            <a:r>
+              <a:rPr lang="en-US" dirty="0"/>
+              <a:t>✍️ </a:t>
+            </a:r>
+            <a:r>
+              <a:rPr lang="en-US" b="1" dirty="0"/>
+              <a:t>Contributor Dashboard:</a:t>
+            </a:r>
+            <a:r>
+              <a:rPr lang="en-US" dirty="0"/>
+              <a:t> Demonstrate adding, managing, and tracking</a:t>
+            </a:r>
+          </a:p>
+          <a:p>
+            <a:pPr marL="0" indent="0" algn="just">
+              <a:buNone/>
+              <a:defRPr sz="2000">
+                <a:latin typeface="Times New Roman"/>
+              </a:defRPr>
+            </a:pPr>
+            <a:r>
+              <a:rPr lang="en-US" dirty="0"/>
+              <a:t>                                                  books</a:t>
+            </a:r>
+          </a:p>
+          <a:p>
+            <a:pPr marL="0" indent="0" algn="just">
+              <a:buNone/>
+              <a:defRPr sz="2000">
+                <a:latin typeface="Times New Roman"/>
+              </a:defRPr>
+            </a:pPr>
+            <a:r>
+              <a:rPr lang="en-US" dirty="0"/>
+              <a:t>🔗 </a:t>
+            </a:r>
+            <a:r>
+              <a:rPr lang="en-US" b="1" dirty="0"/>
+              <a:t>Integration:</a:t>
+            </a:r>
+            <a:r>
+              <a:rPr lang="en-US" dirty="0"/>
+              <a:t> Show authentication flow connecting readers and</a:t>
+            </a:r>
+          </a:p>
+          <a:p>
+            <a:pPr marL="0" indent="0" algn="just">
+              <a:buNone/>
+              <a:defRPr sz="2000">
+                <a:latin typeface="Times New Roman"/>
+              </a:defRPr>
+            </a:pPr>
+            <a:r>
+              <a:rPr lang="en-US" dirty="0"/>
+              <a:t>                            contributors</a:t>
             </a:r>
           </a:p>
           <a:p>
@@ -7874,67 +7963,15 @@
             </a:pPr>
             <a:r>
               <a:rPr lang="en-US" dirty="0"/>
-              <a:t>📚 Reader Dashboard: Display book search, view, and request features</a:t>
-            </a:r>
-          </a:p>
-          <a:p>
-            <a:pPr marL="0" indent="0" algn="just">
-              <a:lnSpc>
-                <a:spcPct val="150000"/>
-              </a:lnSpc>
-              <a:buNone/>
-              <a:defRPr sz="2000">
-                <a:latin typeface="Times New Roman"/>
-              </a:defRPr>
-            </a:pPr>
+              <a:t>📊 </a:t>
+            </a:r>
+            <a:r>
+              <a:rPr lang="en-US" b="1" dirty="0"/>
+              <a:t>Module Outputs: </a:t>
+            </a:r>
             <a:r>
               <a:rPr lang="en-US" dirty="0"/>
-              <a:t>✍️ Contributor Dashboard: Demonstrate adding, managing, and tracking</a:t>
-            </a:r>
-          </a:p>
-          <a:p>
-            <a:pPr marL="0" indent="0" algn="just">
-              <a:lnSpc>
-                <a:spcPct val="150000"/>
-              </a:lnSpc>
-              <a:buNone/>
-              <a:defRPr sz="2000">
-                <a:latin typeface="Times New Roman"/>
-              </a:defRPr>
-            </a:pPr>
-            <a:r>
-              <a:rPr lang="en-US" dirty="0"/>
-              <a:t>       books</a:t>
-            </a:r>
-          </a:p>
-          <a:p>
-            <a:pPr marL="0" indent="0" algn="just">
-              <a:lnSpc>
-                <a:spcPct val="150000"/>
-              </a:lnSpc>
-              <a:buNone/>
-              <a:defRPr sz="2000">
-                <a:latin typeface="Times New Roman"/>
-              </a:defRPr>
-            </a:pPr>
-            <a:r>
-              <a:rPr lang="en-US" dirty="0"/>
-              <a:t>🔗 Integration: Show authentication flow connecting readers and contributors</a:t>
-            </a:r>
-          </a:p>
-          <a:p>
-            <a:pPr marL="0" indent="0" algn="just">
-              <a:lnSpc>
-                <a:spcPct val="150000"/>
-              </a:lnSpc>
-              <a:buNone/>
-              <a:defRPr sz="2000">
-                <a:latin typeface="Times New Roman"/>
-              </a:defRPr>
-            </a:pPr>
-            <a:r>
-              <a:rPr lang="en-US" dirty="0"/>
-              <a:t>📊 Module Outputs: Display analytics, requests, and book exchange updates</a:t>
+              <a:t>Display analytics, requests, and book exchange updates</a:t>
             </a:r>
             <a:endParaRPr dirty="0"/>
           </a:p>
@@ -8417,6 +8454,11 @@
               <a:rPr sz="3600" dirty="0"/>
               <a:t>Conclusion</a:t>
             </a:r>
+            <a:r>
+              <a:rPr lang="en-US" sz="3600" dirty="0"/>
+              <a:t>s</a:t>
+            </a:r>
+            <a:endParaRPr sz="3600" dirty="0"/>
           </a:p>
         </p:txBody>
       </p:sp>
@@ -9958,8 +10000,25 @@
             </a:r>
             <a:r>
               <a:rPr lang="en-US" sz="2200" dirty="0"/>
-              <a:t> allows users to buy, sell, or donate used books through a mobile app by uploading book details and connecting directly with nearby buyers or sellers for in-person exchanges.</a:t>
-            </a:r>
+              <a:t> allows users to buy, sell, or donate used books through a mobile app by uploading book details and connecting directly with nearby buyers or sellers for in-person exchanges. </a:t>
+            </a:r>
+            <a:r>
+              <a:rPr lang="en-US" sz="2200" b="1" dirty="0"/>
+              <a:t>Link :</a:t>
+            </a:r>
+            <a:r>
+              <a:rPr lang="en-US" sz="2000" dirty="0" err="1">
+                <a:hlinkClick r:id="rId2"/>
+              </a:rPr>
+              <a:t>NearBook</a:t>
+            </a:r>
+            <a:r>
+              <a:rPr lang="en-US" sz="2000" dirty="0">
+                <a:hlinkClick r:id="rId2"/>
+              </a:rPr>
+              <a:t> - Buy, sell, donate used books nearby</a:t>
+            </a:r>
+            <a:endParaRPr lang="en-US" sz="2200" dirty="0"/>
           </a:p>
           <a:p>
             <a:pPr marL="0" indent="0">
@@ -12093,6 +12152,9 @@
               <a:lnSpc>
                 <a:spcPct val="150000"/>
               </a:lnSpc>
+              <a:spcBef>
+                <a:spcPts val="0"/>
+              </a:spcBef>
               <a:buNone/>
               <a:defRPr sz="2000">
                 <a:latin typeface="Times New Roman"/>
@@ -12108,7 +12170,22 @@
             </a:r>
             <a:r>
               <a:rPr lang="en-US" dirty="0"/>
-              <a:t>Authentication successfully linked with both dashboards</a:t>
+              <a:t>Authentication Process successfully linked with both</a:t>
+            </a:r>
+          </a:p>
+          <a:p>
+            <a:pPr marL="0" indent="0" algn="just">
+              <a:spcBef>
+                <a:spcPts val="0"/>
+              </a:spcBef>
+              <a:buNone/>
+              <a:defRPr sz="2000">
+                <a:latin typeface="Times New Roman"/>
+              </a:defRPr>
+            </a:pPr>
+            <a:r>
+              <a:rPr lang="en-US" dirty="0"/>
+              <a:t>                             dashboards.</a:t>
             </a:r>
             <a:endParaRPr dirty="0"/>
           </a:p>

--- a/documentation/PPT/Mini_Project_BookMates.pptx
+++ b/documentation/PPT/Mini_Project_BookMates.pptx
@@ -220,7 +220,7 @@
           <a:p>
             <a:fld id="{6585C631-E4E8-45D8-883C-2D3B6B4AF239}" type="datetimeFigureOut">
               <a:rPr lang="en-IN" smtClean="0"/>
-              <a:t>13-10-2025</a:t>
+              <a:t>14-10-2025</a:t>
             </a:fld>
             <a:endParaRPr lang="en-IN"/>
           </a:p>
@@ -1100,7 +1100,7 @@
           <a:p>
             <a:fld id="{5BCAD085-E8A6-8845-BD4E-CB4CCA059FC4}" type="datetimeFigureOut">
               <a:rPr lang="en-US" smtClean="0"/>
-              <a:t>10/13/2025</a:t>
+              <a:t>10/14/2025</a:t>
             </a:fld>
             <a:endParaRPr lang="en-US"/>
           </a:p>
@@ -1268,7 +1268,7 @@
           <a:p>
             <a:fld id="{5BCAD085-E8A6-8845-BD4E-CB4CCA059FC4}" type="datetimeFigureOut">
               <a:rPr lang="en-US" smtClean="0"/>
-              <a:t>10/13/2025</a:t>
+              <a:t>10/14/2025</a:t>
             </a:fld>
             <a:endParaRPr lang="en-US"/>
           </a:p>
@@ -1446,7 +1446,7 @@
           <a:p>
             <a:fld id="{5BCAD085-E8A6-8845-BD4E-CB4CCA059FC4}" type="datetimeFigureOut">
               <a:rPr lang="en-US" smtClean="0"/>
-              <a:t>10/13/2025</a:t>
+              <a:t>10/14/2025</a:t>
             </a:fld>
             <a:endParaRPr lang="en-US"/>
           </a:p>
@@ -1614,7 +1614,7 @@
           <a:p>
             <a:fld id="{5BCAD085-E8A6-8845-BD4E-CB4CCA059FC4}" type="datetimeFigureOut">
               <a:rPr lang="en-US" smtClean="0"/>
-              <a:t>10/13/2025</a:t>
+              <a:t>10/14/2025</a:t>
             </a:fld>
             <a:endParaRPr lang="en-US"/>
           </a:p>
@@ -1859,7 +1859,7 @@
           <a:p>
             <a:fld id="{5BCAD085-E8A6-8845-BD4E-CB4CCA059FC4}" type="datetimeFigureOut">
               <a:rPr lang="en-US" smtClean="0"/>
-              <a:t>10/13/2025</a:t>
+              <a:t>10/14/2025</a:t>
             </a:fld>
             <a:endParaRPr lang="en-US"/>
           </a:p>
@@ -2144,7 +2144,7 @@
           <a:p>
             <a:fld id="{5BCAD085-E8A6-8845-BD4E-CB4CCA059FC4}" type="datetimeFigureOut">
               <a:rPr lang="en-US" smtClean="0"/>
-              <a:t>10/13/2025</a:t>
+              <a:t>10/14/2025</a:t>
             </a:fld>
             <a:endParaRPr lang="en-US"/>
           </a:p>
@@ -2563,7 +2563,7 @@
           <a:p>
             <a:fld id="{5BCAD085-E8A6-8845-BD4E-CB4CCA059FC4}" type="datetimeFigureOut">
               <a:rPr lang="en-US" smtClean="0"/>
-              <a:t>10/13/2025</a:t>
+              <a:t>10/14/2025</a:t>
             </a:fld>
             <a:endParaRPr lang="en-US"/>
           </a:p>
@@ -2680,7 +2680,7 @@
           <a:p>
             <a:fld id="{5BCAD085-E8A6-8845-BD4E-CB4CCA059FC4}" type="datetimeFigureOut">
               <a:rPr lang="en-US" smtClean="0"/>
-              <a:t>10/13/2025</a:t>
+              <a:t>10/14/2025</a:t>
             </a:fld>
             <a:endParaRPr lang="en-US"/>
           </a:p>
@@ -2775,7 +2775,7 @@
           <a:p>
             <a:fld id="{5BCAD085-E8A6-8845-BD4E-CB4CCA059FC4}" type="datetimeFigureOut">
               <a:rPr lang="en-US" smtClean="0"/>
-              <a:t>10/13/2025</a:t>
+              <a:t>10/14/2025</a:t>
             </a:fld>
             <a:endParaRPr lang="en-US"/>
           </a:p>
@@ -3050,7 +3050,7 @@
           <a:p>
             <a:fld id="{5BCAD085-E8A6-8845-BD4E-CB4CCA059FC4}" type="datetimeFigureOut">
               <a:rPr lang="en-US" smtClean="0"/>
-              <a:t>10/13/2025</a:t>
+              <a:t>10/14/2025</a:t>
             </a:fld>
             <a:endParaRPr lang="en-US"/>
           </a:p>
@@ -3302,7 +3302,7 @@
           <a:p>
             <a:fld id="{5BCAD085-E8A6-8845-BD4E-CB4CCA059FC4}" type="datetimeFigureOut">
               <a:rPr lang="en-US" smtClean="0"/>
-              <a:t>10/13/2025</a:t>
+              <a:t>10/14/2025</a:t>
             </a:fld>
             <a:endParaRPr lang="en-US"/>
           </a:p>
@@ -3513,7 +3513,7 @@
           <a:p>
             <a:fld id="{5BCAD085-E8A6-8845-BD4E-CB4CCA059FC4}" type="datetimeFigureOut">
               <a:rPr lang="en-US" smtClean="0"/>
-              <a:t>10/13/2025</a:t>
+              <a:t>10/14/2025</a:t>
             </a:fld>
             <a:endParaRPr lang="en-US"/>
           </a:p>
@@ -11052,7 +11052,9 @@
         </p:nvSpPr>
         <p:spPr/>
         <p:txBody>
-          <a:bodyPr/>
+          <a:bodyPr>
+            <a:normAutofit/>
+          </a:bodyPr>
           <a:lstStyle/>
           <a:p>
             <a:pPr>
@@ -11061,7 +11063,7 @@
               </a:defRPr>
             </a:pPr>
             <a:r>
-              <a:rPr dirty="0"/>
+              <a:rPr sz="3600" dirty="0"/>
               <a:t>Modules and Description</a:t>
             </a:r>
           </a:p>
@@ -11615,7 +11617,9 @@
         </p:nvSpPr>
         <p:spPr/>
         <p:txBody>
-          <a:bodyPr/>
+          <a:bodyPr>
+            <a:normAutofit/>
+          </a:bodyPr>
           <a:lstStyle/>
           <a:p>
             <a:pPr>
@@ -11624,6 +11628,7 @@
               </a:defRPr>
             </a:pPr>
             <a:r>
+              <a:rPr sz="3600" dirty="0"/>
               <a:t>Technology Stack</a:t>
             </a:r>
           </a:p>

--- a/documentation/PPT/Mini_Project_BookMates.pptx
+++ b/documentation/PPT/Mini_Project_BookMates.pptx
@@ -11658,13 +11658,13 @@
               <a:defRPr/>
             </a:pPr>
             <a:r>
-              <a:rPr lang="en-US" sz="2000" b="1" dirty="0">
+              <a:rPr lang="en-US" sz="2400" b="1" dirty="0">
                 <a:latin typeface="Times New Roman" panose="02020603050405020304" pitchFamily="18" charset="0"/>
                 <a:cs typeface="Times New Roman" panose="02020603050405020304" pitchFamily="18" charset="0"/>
               </a:rPr>
               <a:t>Hardware: </a:t>
             </a:r>
-            <a:endParaRPr lang="en-IN" sz="2000" dirty="0">
+            <a:endParaRPr lang="en-IN" sz="2400" dirty="0">
               <a:latin typeface="Times New Roman" panose="02020603050405020304" pitchFamily="18" charset="0"/>
               <a:cs typeface="Times New Roman" panose="02020603050405020304" pitchFamily="18" charset="0"/>
             </a:endParaRPr>
@@ -11719,13 +11719,13 @@
               <a:defRPr/>
             </a:pPr>
             <a:r>
-              <a:rPr lang="en-US" sz="2000" b="1" dirty="0">
+              <a:rPr lang="en-US" sz="2400" b="1" dirty="0">
                 <a:latin typeface="Times New Roman" panose="02020603050405020304" pitchFamily="18" charset="0"/>
                 <a:cs typeface="Times New Roman" panose="02020603050405020304" pitchFamily="18" charset="0"/>
               </a:rPr>
               <a:t>Software: </a:t>
             </a:r>
-            <a:endParaRPr lang="en-IN" sz="2000" dirty="0">
+            <a:endParaRPr lang="en-IN" sz="2400" dirty="0">
               <a:latin typeface="Times New Roman" panose="02020603050405020304" pitchFamily="18" charset="0"/>
               <a:cs typeface="Times New Roman" panose="02020603050405020304" pitchFamily="18" charset="0"/>
             </a:endParaRPr>

--- a/documentation/PPT/Mini_Project_BookMates.pptx
+++ b/documentation/PPT/Mini_Project_BookMates.pptx
@@ -220,7 +220,7 @@
           <a:p>
             <a:fld id="{6585C631-E4E8-45D8-883C-2D3B6B4AF239}" type="datetimeFigureOut">
               <a:rPr lang="en-IN" smtClean="0"/>
-              <a:t>14-10-2025</a:t>
+              <a:t>15-10-2025</a:t>
             </a:fld>
             <a:endParaRPr lang="en-IN"/>
           </a:p>
@@ -1100,7 +1100,7 @@
           <a:p>
             <a:fld id="{5BCAD085-E8A6-8845-BD4E-CB4CCA059FC4}" type="datetimeFigureOut">
               <a:rPr lang="en-US" smtClean="0"/>
-              <a:t>10/14/2025</a:t>
+              <a:t>10/15/2025</a:t>
             </a:fld>
             <a:endParaRPr lang="en-US"/>
           </a:p>
@@ -1268,7 +1268,7 @@
           <a:p>
             <a:fld id="{5BCAD085-E8A6-8845-BD4E-CB4CCA059FC4}" type="datetimeFigureOut">
               <a:rPr lang="en-US" smtClean="0"/>
-              <a:t>10/14/2025</a:t>
+              <a:t>10/15/2025</a:t>
             </a:fld>
             <a:endParaRPr lang="en-US"/>
           </a:p>
@@ -1446,7 +1446,7 @@
           <a:p>
             <a:fld id="{5BCAD085-E8A6-8845-BD4E-CB4CCA059FC4}" type="datetimeFigureOut">
               <a:rPr lang="en-US" smtClean="0"/>
-              <a:t>10/14/2025</a:t>
+              <a:t>10/15/2025</a:t>
             </a:fld>
             <a:endParaRPr lang="en-US"/>
           </a:p>
@@ -1614,7 +1614,7 @@
           <a:p>
             <a:fld id="{5BCAD085-E8A6-8845-BD4E-CB4CCA059FC4}" type="datetimeFigureOut">
               <a:rPr lang="en-US" smtClean="0"/>
-              <a:t>10/14/2025</a:t>
+              <a:t>10/15/2025</a:t>
             </a:fld>
             <a:endParaRPr lang="en-US"/>
           </a:p>
@@ -1859,7 +1859,7 @@
           <a:p>
             <a:fld id="{5BCAD085-E8A6-8845-BD4E-CB4CCA059FC4}" type="datetimeFigureOut">
               <a:rPr lang="en-US" smtClean="0"/>
-              <a:t>10/14/2025</a:t>
+              <a:t>10/15/2025</a:t>
             </a:fld>
             <a:endParaRPr lang="en-US"/>
           </a:p>
@@ -2144,7 +2144,7 @@
           <a:p>
             <a:fld id="{5BCAD085-E8A6-8845-BD4E-CB4CCA059FC4}" type="datetimeFigureOut">
               <a:rPr lang="en-US" smtClean="0"/>
-              <a:t>10/14/2025</a:t>
+              <a:t>10/15/2025</a:t>
             </a:fld>
             <a:endParaRPr lang="en-US"/>
           </a:p>
@@ -2563,7 +2563,7 @@
           <a:p>
             <a:fld id="{5BCAD085-E8A6-8845-BD4E-CB4CCA059FC4}" type="datetimeFigureOut">
               <a:rPr lang="en-US" smtClean="0"/>
-              <a:t>10/14/2025</a:t>
+              <a:t>10/15/2025</a:t>
             </a:fld>
             <a:endParaRPr lang="en-US"/>
           </a:p>
@@ -2680,7 +2680,7 @@
           <a:p>
             <a:fld id="{5BCAD085-E8A6-8845-BD4E-CB4CCA059FC4}" type="datetimeFigureOut">
               <a:rPr lang="en-US" smtClean="0"/>
-              <a:t>10/14/2025</a:t>
+              <a:t>10/15/2025</a:t>
             </a:fld>
             <a:endParaRPr lang="en-US"/>
           </a:p>
@@ -2775,7 +2775,7 @@
           <a:p>
             <a:fld id="{5BCAD085-E8A6-8845-BD4E-CB4CCA059FC4}" type="datetimeFigureOut">
               <a:rPr lang="en-US" smtClean="0"/>
-              <a:t>10/14/2025</a:t>
+              <a:t>10/15/2025</a:t>
             </a:fld>
             <a:endParaRPr lang="en-US"/>
           </a:p>
@@ -3050,7 +3050,7 @@
           <a:p>
             <a:fld id="{5BCAD085-E8A6-8845-BD4E-CB4CCA059FC4}" type="datetimeFigureOut">
               <a:rPr lang="en-US" smtClean="0"/>
-              <a:t>10/14/2025</a:t>
+              <a:t>10/15/2025</a:t>
             </a:fld>
             <a:endParaRPr lang="en-US"/>
           </a:p>
@@ -3302,7 +3302,7 @@
           <a:p>
             <a:fld id="{5BCAD085-E8A6-8845-BD4E-CB4CCA059FC4}" type="datetimeFigureOut">
               <a:rPr lang="en-US" smtClean="0"/>
-              <a:t>10/14/2025</a:t>
+              <a:t>10/15/2025</a:t>
             </a:fld>
             <a:endParaRPr lang="en-US"/>
           </a:p>
@@ -3513,7 +3513,7 @@
           <a:p>
             <a:fld id="{5BCAD085-E8A6-8845-BD4E-CB4CCA059FC4}" type="datetimeFigureOut">
               <a:rPr lang="en-US" smtClean="0"/>
-              <a:t>10/14/2025</a:t>
+              <a:t>10/15/2025</a:t>
             </a:fld>
             <a:endParaRPr lang="en-US"/>
           </a:p>
@@ -8255,10 +8255,6 @@
                 <a:latin typeface="Times New Roman"/>
               </a:defRPr>
             </a:pPr>
-            <a:r>
-              <a:rPr lang="en-IN" dirty="0"/>
-              <a:t>📈 Add analytics/dashboard for book usage and exchanges</a:t>
-            </a:r>
             <a:endParaRPr dirty="0"/>
           </a:p>
         </p:txBody>
@@ -10062,7 +10058,7 @@
             </a:pPr>
             <a:r>
               <a:rPr lang="en-US" sz="2200" dirty="0"/>
-              <a:t>📈 For book contributors, no analysis is available on exchanges, views, or</a:t>
+              <a:t>📈 For book contributors, no clear analysis is available on exchanges, views, or</a:t>
             </a:r>
           </a:p>
           <a:p>
@@ -11006,11 +11002,11 @@
               <a:buNone/>
             </a:pPr>
             <a:r>
-              <a:rPr lang="en-IN" altLang="en-US" sz="1400" dirty="0">
+              <a:rPr lang="en-IN" altLang="en-US" sz="1400" b="1" dirty="0">
                 <a:latin typeface="Times New Roman" panose="02020603050405020304" pitchFamily="18" charset="0"/>
                 <a:cs typeface="Times New Roman" panose="02020603050405020304" pitchFamily="18" charset="0"/>
               </a:rPr>
-              <a:t>Architecture of Book Exchange Platform</a:t>
+              <a:t>FIG 1. Architecture of Book Exchange Platform</a:t>
             </a:r>
           </a:p>
         </p:txBody>
